--- a/Project/Bowling.pptx
+++ b/Project/Bowling.pptx
@@ -298,7 +298,7 @@
           <a:p>
             <a:fld id="{363AD08A-4D4B-724C-B98A-A758E9FDC5D4}" type="datetimeFigureOut">
               <a:rPr lang="en-US" smtClean="0"/>
-              <a:t>8/25/15</a:t>
+              <a:t>8/26/15</a:t>
             </a:fld>
             <a:endParaRPr lang="en-US"/>
           </a:p>
@@ -468,7 +468,7 @@
           <a:p>
             <a:fld id="{363AD08A-4D4B-724C-B98A-A758E9FDC5D4}" type="datetimeFigureOut">
               <a:rPr lang="en-US" smtClean="0"/>
-              <a:t>8/25/15</a:t>
+              <a:t>8/26/15</a:t>
             </a:fld>
             <a:endParaRPr lang="en-US"/>
           </a:p>
@@ -648,7 +648,7 @@
           <a:p>
             <a:fld id="{363AD08A-4D4B-724C-B98A-A758E9FDC5D4}" type="datetimeFigureOut">
               <a:rPr lang="en-US" smtClean="0"/>
-              <a:t>8/25/15</a:t>
+              <a:t>8/26/15</a:t>
             </a:fld>
             <a:endParaRPr lang="en-US"/>
           </a:p>
@@ -818,7 +818,7 @@
           <a:p>
             <a:fld id="{363AD08A-4D4B-724C-B98A-A758E9FDC5D4}" type="datetimeFigureOut">
               <a:rPr lang="en-US" smtClean="0"/>
-              <a:t>8/25/15</a:t>
+              <a:t>8/26/15</a:t>
             </a:fld>
             <a:endParaRPr lang="en-US"/>
           </a:p>
@@ -1064,7 +1064,7 @@
           <a:p>
             <a:fld id="{363AD08A-4D4B-724C-B98A-A758E9FDC5D4}" type="datetimeFigureOut">
               <a:rPr lang="en-US" smtClean="0"/>
-              <a:t>8/25/15</a:t>
+              <a:t>8/26/15</a:t>
             </a:fld>
             <a:endParaRPr lang="en-US"/>
           </a:p>
@@ -1352,7 +1352,7 @@
           <a:p>
             <a:fld id="{363AD08A-4D4B-724C-B98A-A758E9FDC5D4}" type="datetimeFigureOut">
               <a:rPr lang="en-US" smtClean="0"/>
-              <a:t>8/25/15</a:t>
+              <a:t>8/26/15</a:t>
             </a:fld>
             <a:endParaRPr lang="en-US"/>
           </a:p>
@@ -1774,7 +1774,7 @@
           <a:p>
             <a:fld id="{363AD08A-4D4B-724C-B98A-A758E9FDC5D4}" type="datetimeFigureOut">
               <a:rPr lang="en-US" smtClean="0"/>
-              <a:t>8/25/15</a:t>
+              <a:t>8/26/15</a:t>
             </a:fld>
             <a:endParaRPr lang="en-US"/>
           </a:p>
@@ -1892,7 +1892,7 @@
           <a:p>
             <a:fld id="{363AD08A-4D4B-724C-B98A-A758E9FDC5D4}" type="datetimeFigureOut">
               <a:rPr lang="en-US" smtClean="0"/>
-              <a:t>8/25/15</a:t>
+              <a:t>8/26/15</a:t>
             </a:fld>
             <a:endParaRPr lang="en-US"/>
           </a:p>
@@ -1987,7 +1987,7 @@
           <a:p>
             <a:fld id="{363AD08A-4D4B-724C-B98A-A758E9FDC5D4}" type="datetimeFigureOut">
               <a:rPr lang="en-US" smtClean="0"/>
-              <a:t>8/25/15</a:t>
+              <a:t>8/26/15</a:t>
             </a:fld>
             <a:endParaRPr lang="en-US"/>
           </a:p>
@@ -2264,7 +2264,7 @@
           <a:p>
             <a:fld id="{363AD08A-4D4B-724C-B98A-A758E9FDC5D4}" type="datetimeFigureOut">
               <a:rPr lang="en-US" smtClean="0"/>
-              <a:t>8/25/15</a:t>
+              <a:t>8/26/15</a:t>
             </a:fld>
             <a:endParaRPr lang="en-US"/>
           </a:p>
@@ -2517,7 +2517,7 @@
           <a:p>
             <a:fld id="{363AD08A-4D4B-724C-B98A-A758E9FDC5D4}" type="datetimeFigureOut">
               <a:rPr lang="en-US" smtClean="0"/>
-              <a:t>8/25/15</a:t>
+              <a:t>8/26/15</a:t>
             </a:fld>
             <a:endParaRPr lang="en-US"/>
           </a:p>
@@ -2730,7 +2730,7 @@
           <a:p>
             <a:fld id="{363AD08A-4D4B-724C-B98A-A758E9FDC5D4}" type="datetimeFigureOut">
               <a:rPr lang="en-US" smtClean="0"/>
-              <a:t>8/25/15</a:t>
+              <a:t>8/26/15</a:t>
             </a:fld>
             <a:endParaRPr lang="en-US"/>
           </a:p>
@@ -4139,7 +4139,6 @@
               <a:rPr lang="en-US" dirty="0" smtClean="0"/>
               <a:t>Feature engineering to get better clusters</a:t>
             </a:r>
-            <a:endParaRPr lang="en-US" dirty="0" smtClean="0"/>
           </a:p>
           <a:p>
             <a:pPr marL="0" indent="0">
@@ -4198,8 +4197,8 @@
           <a:p>
             <a:pPr algn="l"/>
             <a:r>
-              <a:rPr lang="en-US" sz="4000" dirty="0" err="1" smtClean="0"/>
-              <a:t>Proccess</a:t>
+              <a:rPr lang="en-US" sz="4000" smtClean="0"/>
+              <a:t>Process</a:t>
             </a:r>
             <a:endParaRPr lang="en-US" sz="4000" dirty="0"/>
           </a:p>
